--- a/ppt 16-9/0409.新希望.pptx
+++ b/ppt 16-9/0409.新希望.pptx
@@ -129,7 +129,7 @@
           <p:cNvPr id="2" name="标题 1">
             <a:extLst>
               <a:ext uri="{FF2B5EF4-FFF2-40B4-BE49-F238E27FC236}">
-                <a16:creationId xmlns:a16="http://schemas.microsoft.com/office/drawing/2014/main" id="{E35D0490-E624-3674-AE93-76442FD0503A}"/>
+                <a16:creationId xmlns:a16="http://schemas.microsoft.com/office/drawing/2014/main" id="{8B717F18-5321-FFEF-75D6-466BF945D22C}"/>
               </a:ext>
             </a:extLst>
           </p:cNvPr>
@@ -166,7 +166,7 @@
           <p:cNvPr id="3" name="副标题 2">
             <a:extLst>
               <a:ext uri="{FF2B5EF4-FFF2-40B4-BE49-F238E27FC236}">
-                <a16:creationId xmlns:a16="http://schemas.microsoft.com/office/drawing/2014/main" id="{C9938253-B661-EB3E-44A5-01C2EE0C2F48}"/>
+                <a16:creationId xmlns:a16="http://schemas.microsoft.com/office/drawing/2014/main" id="{5AA2CD02-6890-D3C5-6DD3-1139D3C24D99}"/>
               </a:ext>
             </a:extLst>
           </p:cNvPr>
@@ -236,7 +236,7 @@
           <p:cNvPr id="4" name="日期占位符 3">
             <a:extLst>
               <a:ext uri="{FF2B5EF4-FFF2-40B4-BE49-F238E27FC236}">
-                <a16:creationId xmlns:a16="http://schemas.microsoft.com/office/drawing/2014/main" id="{2CC64545-0E39-A857-CD7E-1747E7B81216}"/>
+                <a16:creationId xmlns:a16="http://schemas.microsoft.com/office/drawing/2014/main" id="{399917E5-B2AD-F66E-07C6-A020E0D7BD88}"/>
               </a:ext>
             </a:extLst>
           </p:cNvPr>
@@ -252,7 +252,7 @@
           <a:bodyPr/>
           <a:lstStyle/>
           <a:p>
-            <a:fld id="{885FDFDB-2A7D-473C-864A-D34BB40B1487}" type="datetimeFigureOut">
+            <a:fld id="{7BF5A03C-2D81-42AB-AEE0-130E8D08C0F7}" type="datetimeFigureOut">
               <a:rPr lang="zh-CN" altLang="en-US" smtClean="0"/>
               <a:t>2024/3/10</a:t>
             </a:fld>
@@ -265,7 +265,7 @@
           <p:cNvPr id="5" name="页脚占位符 4">
             <a:extLst>
               <a:ext uri="{FF2B5EF4-FFF2-40B4-BE49-F238E27FC236}">
-                <a16:creationId xmlns:a16="http://schemas.microsoft.com/office/drawing/2014/main" id="{92EA58CB-C022-B4E5-45BB-8CB699808E77}"/>
+                <a16:creationId xmlns:a16="http://schemas.microsoft.com/office/drawing/2014/main" id="{4F9E22ED-45FE-2BCB-1FBB-97A009A5BEC7}"/>
               </a:ext>
             </a:extLst>
           </p:cNvPr>
@@ -290,7 +290,7 @@
           <p:cNvPr id="6" name="灯片编号占位符 5">
             <a:extLst>
               <a:ext uri="{FF2B5EF4-FFF2-40B4-BE49-F238E27FC236}">
-                <a16:creationId xmlns:a16="http://schemas.microsoft.com/office/drawing/2014/main" id="{C1C57E9F-FBF2-3963-AC7F-03C56CDF8FD1}"/>
+                <a16:creationId xmlns:a16="http://schemas.microsoft.com/office/drawing/2014/main" id="{3F33A1C5-23A7-820C-C036-3B1BCD824B6E}"/>
               </a:ext>
             </a:extLst>
           </p:cNvPr>
@@ -306,7 +306,7 @@
           <a:bodyPr/>
           <a:lstStyle/>
           <a:p>
-            <a:fld id="{0B2B35E1-A91A-4B76-8C78-BA0AD1C5876C}" type="slidenum">
+            <a:fld id="{8D5B0900-1459-41D8-8227-1E536BA7ED10}" type="slidenum">
               <a:rPr lang="zh-CN" altLang="en-US" smtClean="0"/>
               <a:t>‹#›</a:t>
             </a:fld>
@@ -317,7 +317,7 @@
     </p:spTree>
     <p:extLst>
       <p:ext uri="{BB962C8B-B14F-4D97-AF65-F5344CB8AC3E}">
-        <p14:creationId xmlns:p14="http://schemas.microsoft.com/office/powerpoint/2010/main" val="2440365081"/>
+        <p14:creationId xmlns:p14="http://schemas.microsoft.com/office/powerpoint/2010/main" val="753369540"/>
       </p:ext>
     </p:extLst>
   </p:cSld>
@@ -349,7 +349,7 @@
           <p:cNvPr id="2" name="标题 1">
             <a:extLst>
               <a:ext uri="{FF2B5EF4-FFF2-40B4-BE49-F238E27FC236}">
-                <a16:creationId xmlns:a16="http://schemas.microsoft.com/office/drawing/2014/main" id="{76E8627C-4A90-B596-B7FE-8EA6AD814C99}"/>
+                <a16:creationId xmlns:a16="http://schemas.microsoft.com/office/drawing/2014/main" id="{23CDB64A-A935-5A30-DB03-D7AC030D0DC8}"/>
               </a:ext>
             </a:extLst>
           </p:cNvPr>
@@ -377,7 +377,7 @@
           <p:cNvPr id="3" name="竖排文字占位符 2">
             <a:extLst>
               <a:ext uri="{FF2B5EF4-FFF2-40B4-BE49-F238E27FC236}">
-                <a16:creationId xmlns:a16="http://schemas.microsoft.com/office/drawing/2014/main" id="{3083D671-A9CD-7D45-CFA2-43620E704EBE}"/>
+                <a16:creationId xmlns:a16="http://schemas.microsoft.com/office/drawing/2014/main" id="{232556B6-E96E-FE80-0EA6-E014A1B26CC0}"/>
               </a:ext>
             </a:extLst>
           </p:cNvPr>
@@ -434,7 +434,7 @@
           <p:cNvPr id="4" name="日期占位符 3">
             <a:extLst>
               <a:ext uri="{FF2B5EF4-FFF2-40B4-BE49-F238E27FC236}">
-                <a16:creationId xmlns:a16="http://schemas.microsoft.com/office/drawing/2014/main" id="{BE0A2099-B2A7-CAD6-BFB6-8A59458EEC17}"/>
+                <a16:creationId xmlns:a16="http://schemas.microsoft.com/office/drawing/2014/main" id="{85EC9E9E-3388-DEEA-B23D-CC289C405012}"/>
               </a:ext>
             </a:extLst>
           </p:cNvPr>
@@ -450,7 +450,7 @@
           <a:bodyPr/>
           <a:lstStyle/>
           <a:p>
-            <a:fld id="{885FDFDB-2A7D-473C-864A-D34BB40B1487}" type="datetimeFigureOut">
+            <a:fld id="{7BF5A03C-2D81-42AB-AEE0-130E8D08C0F7}" type="datetimeFigureOut">
               <a:rPr lang="zh-CN" altLang="en-US" smtClean="0"/>
               <a:t>2024/3/10</a:t>
             </a:fld>
@@ -463,7 +463,7 @@
           <p:cNvPr id="5" name="页脚占位符 4">
             <a:extLst>
               <a:ext uri="{FF2B5EF4-FFF2-40B4-BE49-F238E27FC236}">
-                <a16:creationId xmlns:a16="http://schemas.microsoft.com/office/drawing/2014/main" id="{A87DEC16-32CC-3B66-C49A-5570569F97A8}"/>
+                <a16:creationId xmlns:a16="http://schemas.microsoft.com/office/drawing/2014/main" id="{F0B915DB-CBD0-7EEF-5786-E055815A9064}"/>
               </a:ext>
             </a:extLst>
           </p:cNvPr>
@@ -488,7 +488,7 @@
           <p:cNvPr id="6" name="灯片编号占位符 5">
             <a:extLst>
               <a:ext uri="{FF2B5EF4-FFF2-40B4-BE49-F238E27FC236}">
-                <a16:creationId xmlns:a16="http://schemas.microsoft.com/office/drawing/2014/main" id="{CBEA7023-D32B-3342-7E58-96B1C8E9ACC6}"/>
+                <a16:creationId xmlns:a16="http://schemas.microsoft.com/office/drawing/2014/main" id="{C6C8C6CB-0284-A727-1C4B-B1BEC0344716}"/>
               </a:ext>
             </a:extLst>
           </p:cNvPr>
@@ -504,7 +504,7 @@
           <a:bodyPr/>
           <a:lstStyle/>
           <a:p>
-            <a:fld id="{0B2B35E1-A91A-4B76-8C78-BA0AD1C5876C}" type="slidenum">
+            <a:fld id="{8D5B0900-1459-41D8-8227-1E536BA7ED10}" type="slidenum">
               <a:rPr lang="zh-CN" altLang="en-US" smtClean="0"/>
               <a:t>‹#›</a:t>
             </a:fld>
@@ -515,7 +515,7 @@
     </p:spTree>
     <p:extLst>
       <p:ext uri="{BB962C8B-B14F-4D97-AF65-F5344CB8AC3E}">
-        <p14:creationId xmlns:p14="http://schemas.microsoft.com/office/powerpoint/2010/main" val="1375332754"/>
+        <p14:creationId xmlns:p14="http://schemas.microsoft.com/office/powerpoint/2010/main" val="199567488"/>
       </p:ext>
     </p:extLst>
   </p:cSld>
@@ -547,7 +547,7 @@
           <p:cNvPr id="2" name="竖排标题 1">
             <a:extLst>
               <a:ext uri="{FF2B5EF4-FFF2-40B4-BE49-F238E27FC236}">
-                <a16:creationId xmlns:a16="http://schemas.microsoft.com/office/drawing/2014/main" id="{EE640567-7234-0B69-9C6C-238E6D7B6057}"/>
+                <a16:creationId xmlns:a16="http://schemas.microsoft.com/office/drawing/2014/main" id="{E6FD4324-3720-5801-8A60-EB9EF7F75C16}"/>
               </a:ext>
             </a:extLst>
           </p:cNvPr>
@@ -580,7 +580,7 @@
           <p:cNvPr id="3" name="竖排文字占位符 2">
             <a:extLst>
               <a:ext uri="{FF2B5EF4-FFF2-40B4-BE49-F238E27FC236}">
-                <a16:creationId xmlns:a16="http://schemas.microsoft.com/office/drawing/2014/main" id="{E1073B03-E72B-B01B-1680-DEAA1AD1EE37}"/>
+                <a16:creationId xmlns:a16="http://schemas.microsoft.com/office/drawing/2014/main" id="{94A0C8D9-D47F-03B2-8C70-E7DA7F0D587C}"/>
               </a:ext>
             </a:extLst>
           </p:cNvPr>
@@ -642,7 +642,7 @@
           <p:cNvPr id="4" name="日期占位符 3">
             <a:extLst>
               <a:ext uri="{FF2B5EF4-FFF2-40B4-BE49-F238E27FC236}">
-                <a16:creationId xmlns:a16="http://schemas.microsoft.com/office/drawing/2014/main" id="{A3C32E84-5411-53AC-945B-F10A1254F83A}"/>
+                <a16:creationId xmlns:a16="http://schemas.microsoft.com/office/drawing/2014/main" id="{EE94A6BA-B18F-8BD0-619B-9F7C53288D4A}"/>
               </a:ext>
             </a:extLst>
           </p:cNvPr>
@@ -658,7 +658,7 @@
           <a:bodyPr/>
           <a:lstStyle/>
           <a:p>
-            <a:fld id="{885FDFDB-2A7D-473C-864A-D34BB40B1487}" type="datetimeFigureOut">
+            <a:fld id="{7BF5A03C-2D81-42AB-AEE0-130E8D08C0F7}" type="datetimeFigureOut">
               <a:rPr lang="zh-CN" altLang="en-US" smtClean="0"/>
               <a:t>2024/3/10</a:t>
             </a:fld>
@@ -671,7 +671,7 @@
           <p:cNvPr id="5" name="页脚占位符 4">
             <a:extLst>
               <a:ext uri="{FF2B5EF4-FFF2-40B4-BE49-F238E27FC236}">
-                <a16:creationId xmlns:a16="http://schemas.microsoft.com/office/drawing/2014/main" id="{2E393584-8057-6CA3-1D65-46B2C01B1EE1}"/>
+                <a16:creationId xmlns:a16="http://schemas.microsoft.com/office/drawing/2014/main" id="{943DE3C9-772E-2E9D-D155-0DB8BB69E3F7}"/>
               </a:ext>
             </a:extLst>
           </p:cNvPr>
@@ -696,7 +696,7 @@
           <p:cNvPr id="6" name="灯片编号占位符 5">
             <a:extLst>
               <a:ext uri="{FF2B5EF4-FFF2-40B4-BE49-F238E27FC236}">
-                <a16:creationId xmlns:a16="http://schemas.microsoft.com/office/drawing/2014/main" id="{ECB651C0-0F16-378E-F404-5CC81B981BDF}"/>
+                <a16:creationId xmlns:a16="http://schemas.microsoft.com/office/drawing/2014/main" id="{A3896862-76E6-F323-0852-56D3C10FDDB4}"/>
               </a:ext>
             </a:extLst>
           </p:cNvPr>
@@ -712,7 +712,7 @@
           <a:bodyPr/>
           <a:lstStyle/>
           <a:p>
-            <a:fld id="{0B2B35E1-A91A-4B76-8C78-BA0AD1C5876C}" type="slidenum">
+            <a:fld id="{8D5B0900-1459-41D8-8227-1E536BA7ED10}" type="slidenum">
               <a:rPr lang="zh-CN" altLang="en-US" smtClean="0"/>
               <a:t>‹#›</a:t>
             </a:fld>
@@ -723,7 +723,7 @@
     </p:spTree>
     <p:extLst>
       <p:ext uri="{BB962C8B-B14F-4D97-AF65-F5344CB8AC3E}">
-        <p14:creationId xmlns:p14="http://schemas.microsoft.com/office/powerpoint/2010/main" val="3043663964"/>
+        <p14:creationId xmlns:p14="http://schemas.microsoft.com/office/powerpoint/2010/main" val="4213296997"/>
       </p:ext>
     </p:extLst>
   </p:cSld>
@@ -755,7 +755,7 @@
           <p:cNvPr id="2" name="标题 1">
             <a:extLst>
               <a:ext uri="{FF2B5EF4-FFF2-40B4-BE49-F238E27FC236}">
-                <a16:creationId xmlns:a16="http://schemas.microsoft.com/office/drawing/2014/main" id="{F3F3006E-C384-02DB-863B-81B7CC2EE3D0}"/>
+                <a16:creationId xmlns:a16="http://schemas.microsoft.com/office/drawing/2014/main" id="{8A86A6E7-F8EE-CB6D-7E9A-CCCAD24834A1}"/>
               </a:ext>
             </a:extLst>
           </p:cNvPr>
@@ -783,7 +783,7 @@
           <p:cNvPr id="3" name="内容占位符 2">
             <a:extLst>
               <a:ext uri="{FF2B5EF4-FFF2-40B4-BE49-F238E27FC236}">
-                <a16:creationId xmlns:a16="http://schemas.microsoft.com/office/drawing/2014/main" id="{E55048F6-6F90-8698-F924-55D3D8FE4276}"/>
+                <a16:creationId xmlns:a16="http://schemas.microsoft.com/office/drawing/2014/main" id="{EAB2193B-0394-9277-A011-1ACB1E54DA7E}"/>
               </a:ext>
             </a:extLst>
           </p:cNvPr>
@@ -840,7 +840,7 @@
           <p:cNvPr id="4" name="日期占位符 3">
             <a:extLst>
               <a:ext uri="{FF2B5EF4-FFF2-40B4-BE49-F238E27FC236}">
-                <a16:creationId xmlns:a16="http://schemas.microsoft.com/office/drawing/2014/main" id="{5BEC6647-AD26-2E12-E133-83EBDFAA17F3}"/>
+                <a16:creationId xmlns:a16="http://schemas.microsoft.com/office/drawing/2014/main" id="{460CC5BC-16DB-517A-5C9B-BFC98E523BCC}"/>
               </a:ext>
             </a:extLst>
           </p:cNvPr>
@@ -856,7 +856,7 @@
           <a:bodyPr/>
           <a:lstStyle/>
           <a:p>
-            <a:fld id="{885FDFDB-2A7D-473C-864A-D34BB40B1487}" type="datetimeFigureOut">
+            <a:fld id="{7BF5A03C-2D81-42AB-AEE0-130E8D08C0F7}" type="datetimeFigureOut">
               <a:rPr lang="zh-CN" altLang="en-US" smtClean="0"/>
               <a:t>2024/3/10</a:t>
             </a:fld>
@@ -869,7 +869,7 @@
           <p:cNvPr id="5" name="页脚占位符 4">
             <a:extLst>
               <a:ext uri="{FF2B5EF4-FFF2-40B4-BE49-F238E27FC236}">
-                <a16:creationId xmlns:a16="http://schemas.microsoft.com/office/drawing/2014/main" id="{7EBB8736-F66F-6BE0-7704-29FFC0A91759}"/>
+                <a16:creationId xmlns:a16="http://schemas.microsoft.com/office/drawing/2014/main" id="{159CC601-A2E6-07E2-FC38-93EDA45CEC42}"/>
               </a:ext>
             </a:extLst>
           </p:cNvPr>
@@ -894,7 +894,7 @@
           <p:cNvPr id="6" name="灯片编号占位符 5">
             <a:extLst>
               <a:ext uri="{FF2B5EF4-FFF2-40B4-BE49-F238E27FC236}">
-                <a16:creationId xmlns:a16="http://schemas.microsoft.com/office/drawing/2014/main" id="{63FE9093-A21B-471C-C048-A32E96060DBE}"/>
+                <a16:creationId xmlns:a16="http://schemas.microsoft.com/office/drawing/2014/main" id="{2D30BF83-3D61-5C53-8F0E-2AC41123FF70}"/>
               </a:ext>
             </a:extLst>
           </p:cNvPr>
@@ -910,7 +910,7 @@
           <a:bodyPr/>
           <a:lstStyle/>
           <a:p>
-            <a:fld id="{0B2B35E1-A91A-4B76-8C78-BA0AD1C5876C}" type="slidenum">
+            <a:fld id="{8D5B0900-1459-41D8-8227-1E536BA7ED10}" type="slidenum">
               <a:rPr lang="zh-CN" altLang="en-US" smtClean="0"/>
               <a:t>‹#›</a:t>
             </a:fld>
@@ -921,7 +921,7 @@
     </p:spTree>
     <p:extLst>
       <p:ext uri="{BB962C8B-B14F-4D97-AF65-F5344CB8AC3E}">
-        <p14:creationId xmlns:p14="http://schemas.microsoft.com/office/powerpoint/2010/main" val="4127901693"/>
+        <p14:creationId xmlns:p14="http://schemas.microsoft.com/office/powerpoint/2010/main" val="2255226369"/>
       </p:ext>
     </p:extLst>
   </p:cSld>
@@ -953,7 +953,7 @@
           <p:cNvPr id="2" name="标题 1">
             <a:extLst>
               <a:ext uri="{FF2B5EF4-FFF2-40B4-BE49-F238E27FC236}">
-                <a16:creationId xmlns:a16="http://schemas.microsoft.com/office/drawing/2014/main" id="{DC64CF5D-0FBE-34A6-DCB1-FA9509C7F8CF}"/>
+                <a16:creationId xmlns:a16="http://schemas.microsoft.com/office/drawing/2014/main" id="{88F342BE-A697-1F08-8FFA-8564B62D5329}"/>
               </a:ext>
             </a:extLst>
           </p:cNvPr>
@@ -990,7 +990,7 @@
           <p:cNvPr id="3" name="文本占位符 2">
             <a:extLst>
               <a:ext uri="{FF2B5EF4-FFF2-40B4-BE49-F238E27FC236}">
-                <a16:creationId xmlns:a16="http://schemas.microsoft.com/office/drawing/2014/main" id="{686CAF80-574E-705F-90A3-8E8942CACBD3}"/>
+                <a16:creationId xmlns:a16="http://schemas.microsoft.com/office/drawing/2014/main" id="{306738B7-81C4-DB6E-6B99-AADA321C5BB6}"/>
               </a:ext>
             </a:extLst>
           </p:cNvPr>
@@ -1115,7 +1115,7 @@
           <p:cNvPr id="4" name="日期占位符 3">
             <a:extLst>
               <a:ext uri="{FF2B5EF4-FFF2-40B4-BE49-F238E27FC236}">
-                <a16:creationId xmlns:a16="http://schemas.microsoft.com/office/drawing/2014/main" id="{DC45DBC3-6972-E643-9755-087A5E2AF752}"/>
+                <a16:creationId xmlns:a16="http://schemas.microsoft.com/office/drawing/2014/main" id="{CD09F810-1F89-9360-B26A-0153EB2C5A8E}"/>
               </a:ext>
             </a:extLst>
           </p:cNvPr>
@@ -1131,7 +1131,7 @@
           <a:bodyPr/>
           <a:lstStyle/>
           <a:p>
-            <a:fld id="{885FDFDB-2A7D-473C-864A-D34BB40B1487}" type="datetimeFigureOut">
+            <a:fld id="{7BF5A03C-2D81-42AB-AEE0-130E8D08C0F7}" type="datetimeFigureOut">
               <a:rPr lang="zh-CN" altLang="en-US" smtClean="0"/>
               <a:t>2024/3/10</a:t>
             </a:fld>
@@ -1144,7 +1144,7 @@
           <p:cNvPr id="5" name="页脚占位符 4">
             <a:extLst>
               <a:ext uri="{FF2B5EF4-FFF2-40B4-BE49-F238E27FC236}">
-                <a16:creationId xmlns:a16="http://schemas.microsoft.com/office/drawing/2014/main" id="{C5E05997-CE93-D301-EA5B-23675A9A3698}"/>
+                <a16:creationId xmlns:a16="http://schemas.microsoft.com/office/drawing/2014/main" id="{12458AB3-229C-09CF-83A5-041457D70518}"/>
               </a:ext>
             </a:extLst>
           </p:cNvPr>
@@ -1169,7 +1169,7 @@
           <p:cNvPr id="6" name="灯片编号占位符 5">
             <a:extLst>
               <a:ext uri="{FF2B5EF4-FFF2-40B4-BE49-F238E27FC236}">
-                <a16:creationId xmlns:a16="http://schemas.microsoft.com/office/drawing/2014/main" id="{CAE4B114-CA3A-96F5-A375-EE83409BC3B5}"/>
+                <a16:creationId xmlns:a16="http://schemas.microsoft.com/office/drawing/2014/main" id="{8F468BA0-36E5-B04D-25A6-9E577AEAF7A3}"/>
               </a:ext>
             </a:extLst>
           </p:cNvPr>
@@ -1185,7 +1185,7 @@
           <a:bodyPr/>
           <a:lstStyle/>
           <a:p>
-            <a:fld id="{0B2B35E1-A91A-4B76-8C78-BA0AD1C5876C}" type="slidenum">
+            <a:fld id="{8D5B0900-1459-41D8-8227-1E536BA7ED10}" type="slidenum">
               <a:rPr lang="zh-CN" altLang="en-US" smtClean="0"/>
               <a:t>‹#›</a:t>
             </a:fld>
@@ -1196,7 +1196,7 @@
     </p:spTree>
     <p:extLst>
       <p:ext uri="{BB962C8B-B14F-4D97-AF65-F5344CB8AC3E}">
-        <p14:creationId xmlns:p14="http://schemas.microsoft.com/office/powerpoint/2010/main" val="679389163"/>
+        <p14:creationId xmlns:p14="http://schemas.microsoft.com/office/powerpoint/2010/main" val="3624072370"/>
       </p:ext>
     </p:extLst>
   </p:cSld>
@@ -1228,7 +1228,7 @@
           <p:cNvPr id="2" name="标题 1">
             <a:extLst>
               <a:ext uri="{FF2B5EF4-FFF2-40B4-BE49-F238E27FC236}">
-                <a16:creationId xmlns:a16="http://schemas.microsoft.com/office/drawing/2014/main" id="{9F6A091B-AF25-C4B6-77DF-9605126EC903}"/>
+                <a16:creationId xmlns:a16="http://schemas.microsoft.com/office/drawing/2014/main" id="{9B2FE915-35BB-F17A-33A3-312626CE495F}"/>
               </a:ext>
             </a:extLst>
           </p:cNvPr>
@@ -1256,7 +1256,7 @@
           <p:cNvPr id="3" name="内容占位符 2">
             <a:extLst>
               <a:ext uri="{FF2B5EF4-FFF2-40B4-BE49-F238E27FC236}">
-                <a16:creationId xmlns:a16="http://schemas.microsoft.com/office/drawing/2014/main" id="{1A57E586-17A9-E7FC-03D0-C4AAEE4C7751}"/>
+                <a16:creationId xmlns:a16="http://schemas.microsoft.com/office/drawing/2014/main" id="{BB477B05-DB70-5D23-98BF-FC4DC433395F}"/>
               </a:ext>
             </a:extLst>
           </p:cNvPr>
@@ -1318,7 +1318,7 @@
           <p:cNvPr id="4" name="内容占位符 3">
             <a:extLst>
               <a:ext uri="{FF2B5EF4-FFF2-40B4-BE49-F238E27FC236}">
-                <a16:creationId xmlns:a16="http://schemas.microsoft.com/office/drawing/2014/main" id="{F4D9CB9A-F452-A10D-9457-2B17ECFF6054}"/>
+                <a16:creationId xmlns:a16="http://schemas.microsoft.com/office/drawing/2014/main" id="{40E0F42D-B21B-BB6D-1158-3B86DEF8A5E2}"/>
               </a:ext>
             </a:extLst>
           </p:cNvPr>
@@ -1380,7 +1380,7 @@
           <p:cNvPr id="5" name="日期占位符 4">
             <a:extLst>
               <a:ext uri="{FF2B5EF4-FFF2-40B4-BE49-F238E27FC236}">
-                <a16:creationId xmlns:a16="http://schemas.microsoft.com/office/drawing/2014/main" id="{049AF6A7-2EB3-ECCE-D628-197A729527B9}"/>
+                <a16:creationId xmlns:a16="http://schemas.microsoft.com/office/drawing/2014/main" id="{DD34E3F7-7B95-6252-7A03-8C8AD5DBC57A}"/>
               </a:ext>
             </a:extLst>
           </p:cNvPr>
@@ -1396,7 +1396,7 @@
           <a:bodyPr/>
           <a:lstStyle/>
           <a:p>
-            <a:fld id="{885FDFDB-2A7D-473C-864A-D34BB40B1487}" type="datetimeFigureOut">
+            <a:fld id="{7BF5A03C-2D81-42AB-AEE0-130E8D08C0F7}" type="datetimeFigureOut">
               <a:rPr lang="zh-CN" altLang="en-US" smtClean="0"/>
               <a:t>2024/3/10</a:t>
             </a:fld>
@@ -1409,7 +1409,7 @@
           <p:cNvPr id="6" name="页脚占位符 5">
             <a:extLst>
               <a:ext uri="{FF2B5EF4-FFF2-40B4-BE49-F238E27FC236}">
-                <a16:creationId xmlns:a16="http://schemas.microsoft.com/office/drawing/2014/main" id="{6FFE290B-EB36-9F9A-F18B-26C9BEA3B4C4}"/>
+                <a16:creationId xmlns:a16="http://schemas.microsoft.com/office/drawing/2014/main" id="{66B1BE53-1E45-5D13-D5CB-2B7F8C2D5425}"/>
               </a:ext>
             </a:extLst>
           </p:cNvPr>
@@ -1434,7 +1434,7 @@
           <p:cNvPr id="7" name="灯片编号占位符 6">
             <a:extLst>
               <a:ext uri="{FF2B5EF4-FFF2-40B4-BE49-F238E27FC236}">
-                <a16:creationId xmlns:a16="http://schemas.microsoft.com/office/drawing/2014/main" id="{13A69C30-A0A3-34EA-5931-E636B164845B}"/>
+                <a16:creationId xmlns:a16="http://schemas.microsoft.com/office/drawing/2014/main" id="{8A257B6D-82DE-DEC3-15DA-61D28F0A64E6}"/>
               </a:ext>
             </a:extLst>
           </p:cNvPr>
@@ -1450,7 +1450,7 @@
           <a:bodyPr/>
           <a:lstStyle/>
           <a:p>
-            <a:fld id="{0B2B35E1-A91A-4B76-8C78-BA0AD1C5876C}" type="slidenum">
+            <a:fld id="{8D5B0900-1459-41D8-8227-1E536BA7ED10}" type="slidenum">
               <a:rPr lang="zh-CN" altLang="en-US" smtClean="0"/>
               <a:t>‹#›</a:t>
             </a:fld>
@@ -1461,7 +1461,7 @@
     </p:spTree>
     <p:extLst>
       <p:ext uri="{BB962C8B-B14F-4D97-AF65-F5344CB8AC3E}">
-        <p14:creationId xmlns:p14="http://schemas.microsoft.com/office/powerpoint/2010/main" val="2533575438"/>
+        <p14:creationId xmlns:p14="http://schemas.microsoft.com/office/powerpoint/2010/main" val="4014088860"/>
       </p:ext>
     </p:extLst>
   </p:cSld>
@@ -1493,7 +1493,7 @@
           <p:cNvPr id="2" name="标题 1">
             <a:extLst>
               <a:ext uri="{FF2B5EF4-FFF2-40B4-BE49-F238E27FC236}">
-                <a16:creationId xmlns:a16="http://schemas.microsoft.com/office/drawing/2014/main" id="{6BAED02E-641E-EB9B-9C54-C6695536F547}"/>
+                <a16:creationId xmlns:a16="http://schemas.microsoft.com/office/drawing/2014/main" id="{2BA96F3B-03F3-129A-501D-FB5711B67A26}"/>
               </a:ext>
             </a:extLst>
           </p:cNvPr>
@@ -1526,7 +1526,7 @@
           <p:cNvPr id="3" name="文本占位符 2">
             <a:extLst>
               <a:ext uri="{FF2B5EF4-FFF2-40B4-BE49-F238E27FC236}">
-                <a16:creationId xmlns:a16="http://schemas.microsoft.com/office/drawing/2014/main" id="{E020A72E-B173-687C-E829-8501E0E5BC7E}"/>
+                <a16:creationId xmlns:a16="http://schemas.microsoft.com/office/drawing/2014/main" id="{7BDD0200-2882-5505-B7E9-CF084903EBB0}"/>
               </a:ext>
             </a:extLst>
           </p:cNvPr>
@@ -1597,7 +1597,7 @@
           <p:cNvPr id="4" name="内容占位符 3">
             <a:extLst>
               <a:ext uri="{FF2B5EF4-FFF2-40B4-BE49-F238E27FC236}">
-                <a16:creationId xmlns:a16="http://schemas.microsoft.com/office/drawing/2014/main" id="{9B22996E-1AB8-59E8-D96C-341B2A2C581A}"/>
+                <a16:creationId xmlns:a16="http://schemas.microsoft.com/office/drawing/2014/main" id="{AD67495C-5DCF-F271-A18E-ABDA58A2B9CD}"/>
               </a:ext>
             </a:extLst>
           </p:cNvPr>
@@ -1659,7 +1659,7 @@
           <p:cNvPr id="5" name="文本占位符 4">
             <a:extLst>
               <a:ext uri="{FF2B5EF4-FFF2-40B4-BE49-F238E27FC236}">
-                <a16:creationId xmlns:a16="http://schemas.microsoft.com/office/drawing/2014/main" id="{09D3D168-BAE3-3F5F-ACFC-5168124C146A}"/>
+                <a16:creationId xmlns:a16="http://schemas.microsoft.com/office/drawing/2014/main" id="{424E3DA9-5637-2B76-24FD-0BF584733619}"/>
               </a:ext>
             </a:extLst>
           </p:cNvPr>
@@ -1730,7 +1730,7 @@
           <p:cNvPr id="6" name="内容占位符 5">
             <a:extLst>
               <a:ext uri="{FF2B5EF4-FFF2-40B4-BE49-F238E27FC236}">
-                <a16:creationId xmlns:a16="http://schemas.microsoft.com/office/drawing/2014/main" id="{9C8BBB8F-66FC-409D-379D-DA367FDD0B7D}"/>
+                <a16:creationId xmlns:a16="http://schemas.microsoft.com/office/drawing/2014/main" id="{B344F287-A14D-C918-5D7A-E9BC7D8E0137}"/>
               </a:ext>
             </a:extLst>
           </p:cNvPr>
@@ -1792,7 +1792,7 @@
           <p:cNvPr id="7" name="日期占位符 6">
             <a:extLst>
               <a:ext uri="{FF2B5EF4-FFF2-40B4-BE49-F238E27FC236}">
-                <a16:creationId xmlns:a16="http://schemas.microsoft.com/office/drawing/2014/main" id="{258F2EF6-DFF0-9256-BCFE-F3F07456B1F0}"/>
+                <a16:creationId xmlns:a16="http://schemas.microsoft.com/office/drawing/2014/main" id="{86B3CC90-6780-08C8-8717-9ECAB982D716}"/>
               </a:ext>
             </a:extLst>
           </p:cNvPr>
@@ -1808,7 +1808,7 @@
           <a:bodyPr/>
           <a:lstStyle/>
           <a:p>
-            <a:fld id="{885FDFDB-2A7D-473C-864A-D34BB40B1487}" type="datetimeFigureOut">
+            <a:fld id="{7BF5A03C-2D81-42AB-AEE0-130E8D08C0F7}" type="datetimeFigureOut">
               <a:rPr lang="zh-CN" altLang="en-US" smtClean="0"/>
               <a:t>2024/3/10</a:t>
             </a:fld>
@@ -1821,7 +1821,7 @@
           <p:cNvPr id="8" name="页脚占位符 7">
             <a:extLst>
               <a:ext uri="{FF2B5EF4-FFF2-40B4-BE49-F238E27FC236}">
-                <a16:creationId xmlns:a16="http://schemas.microsoft.com/office/drawing/2014/main" id="{C288D708-69F9-10D8-E778-C00A62BA1D35}"/>
+                <a16:creationId xmlns:a16="http://schemas.microsoft.com/office/drawing/2014/main" id="{4ECD51AD-164F-C172-CAEA-24E6CE01642B}"/>
               </a:ext>
             </a:extLst>
           </p:cNvPr>
@@ -1846,7 +1846,7 @@
           <p:cNvPr id="9" name="灯片编号占位符 8">
             <a:extLst>
               <a:ext uri="{FF2B5EF4-FFF2-40B4-BE49-F238E27FC236}">
-                <a16:creationId xmlns:a16="http://schemas.microsoft.com/office/drawing/2014/main" id="{4D35D187-1058-4574-241A-D968017FB16D}"/>
+                <a16:creationId xmlns:a16="http://schemas.microsoft.com/office/drawing/2014/main" id="{0C789475-189C-C30A-DC4F-2600EA9B6C44}"/>
               </a:ext>
             </a:extLst>
           </p:cNvPr>
@@ -1862,7 +1862,7 @@
           <a:bodyPr/>
           <a:lstStyle/>
           <a:p>
-            <a:fld id="{0B2B35E1-A91A-4B76-8C78-BA0AD1C5876C}" type="slidenum">
+            <a:fld id="{8D5B0900-1459-41D8-8227-1E536BA7ED10}" type="slidenum">
               <a:rPr lang="zh-CN" altLang="en-US" smtClean="0"/>
               <a:t>‹#›</a:t>
             </a:fld>
@@ -1873,7 +1873,7 @@
     </p:spTree>
     <p:extLst>
       <p:ext uri="{BB962C8B-B14F-4D97-AF65-F5344CB8AC3E}">
-        <p14:creationId xmlns:p14="http://schemas.microsoft.com/office/powerpoint/2010/main" val="4057507432"/>
+        <p14:creationId xmlns:p14="http://schemas.microsoft.com/office/powerpoint/2010/main" val="2918293389"/>
       </p:ext>
     </p:extLst>
   </p:cSld>
@@ -1905,7 +1905,7 @@
           <p:cNvPr id="2" name="标题 1">
             <a:extLst>
               <a:ext uri="{FF2B5EF4-FFF2-40B4-BE49-F238E27FC236}">
-                <a16:creationId xmlns:a16="http://schemas.microsoft.com/office/drawing/2014/main" id="{9B50366F-8A8B-EE55-A375-DE371185100D}"/>
+                <a16:creationId xmlns:a16="http://schemas.microsoft.com/office/drawing/2014/main" id="{62122A0B-BA7E-CABD-FB56-F755D09C45FA}"/>
               </a:ext>
             </a:extLst>
           </p:cNvPr>
@@ -1933,7 +1933,7 @@
           <p:cNvPr id="3" name="日期占位符 2">
             <a:extLst>
               <a:ext uri="{FF2B5EF4-FFF2-40B4-BE49-F238E27FC236}">
-                <a16:creationId xmlns:a16="http://schemas.microsoft.com/office/drawing/2014/main" id="{C40C2C04-D981-534D-A21B-EFE99A5F8BAD}"/>
+                <a16:creationId xmlns:a16="http://schemas.microsoft.com/office/drawing/2014/main" id="{E9DABB10-38B4-F88E-5892-0691EF2E479D}"/>
               </a:ext>
             </a:extLst>
           </p:cNvPr>
@@ -1949,7 +1949,7 @@
           <a:bodyPr/>
           <a:lstStyle/>
           <a:p>
-            <a:fld id="{885FDFDB-2A7D-473C-864A-D34BB40B1487}" type="datetimeFigureOut">
+            <a:fld id="{7BF5A03C-2D81-42AB-AEE0-130E8D08C0F7}" type="datetimeFigureOut">
               <a:rPr lang="zh-CN" altLang="en-US" smtClean="0"/>
               <a:t>2024/3/10</a:t>
             </a:fld>
@@ -1962,7 +1962,7 @@
           <p:cNvPr id="4" name="页脚占位符 3">
             <a:extLst>
               <a:ext uri="{FF2B5EF4-FFF2-40B4-BE49-F238E27FC236}">
-                <a16:creationId xmlns:a16="http://schemas.microsoft.com/office/drawing/2014/main" id="{C1E38F88-252A-9CCD-440F-09A8DC22BE2D}"/>
+                <a16:creationId xmlns:a16="http://schemas.microsoft.com/office/drawing/2014/main" id="{EA2AA629-CB0B-0206-44B6-DA532600FE7B}"/>
               </a:ext>
             </a:extLst>
           </p:cNvPr>
@@ -1987,7 +1987,7 @@
           <p:cNvPr id="5" name="灯片编号占位符 4">
             <a:extLst>
               <a:ext uri="{FF2B5EF4-FFF2-40B4-BE49-F238E27FC236}">
-                <a16:creationId xmlns:a16="http://schemas.microsoft.com/office/drawing/2014/main" id="{EF38E16E-72E0-6DFA-D316-447F7F8E1115}"/>
+                <a16:creationId xmlns:a16="http://schemas.microsoft.com/office/drawing/2014/main" id="{41CA2D39-D1DB-8B50-4572-85337D46CC6A}"/>
               </a:ext>
             </a:extLst>
           </p:cNvPr>
@@ -2003,7 +2003,7 @@
           <a:bodyPr/>
           <a:lstStyle/>
           <a:p>
-            <a:fld id="{0B2B35E1-A91A-4B76-8C78-BA0AD1C5876C}" type="slidenum">
+            <a:fld id="{8D5B0900-1459-41D8-8227-1E536BA7ED10}" type="slidenum">
               <a:rPr lang="zh-CN" altLang="en-US" smtClean="0"/>
               <a:t>‹#›</a:t>
             </a:fld>
@@ -2014,7 +2014,7 @@
     </p:spTree>
     <p:extLst>
       <p:ext uri="{BB962C8B-B14F-4D97-AF65-F5344CB8AC3E}">
-        <p14:creationId xmlns:p14="http://schemas.microsoft.com/office/powerpoint/2010/main" val="2800499293"/>
+        <p14:creationId xmlns:p14="http://schemas.microsoft.com/office/powerpoint/2010/main" val="4026740106"/>
       </p:ext>
     </p:extLst>
   </p:cSld>
@@ -2046,7 +2046,7 @@
           <p:cNvPr id="2" name="日期占位符 1">
             <a:extLst>
               <a:ext uri="{FF2B5EF4-FFF2-40B4-BE49-F238E27FC236}">
-                <a16:creationId xmlns:a16="http://schemas.microsoft.com/office/drawing/2014/main" id="{142C2D11-BD1A-B604-3736-F986C8B0EEB0}"/>
+                <a16:creationId xmlns:a16="http://schemas.microsoft.com/office/drawing/2014/main" id="{0E6312AC-4814-6B93-AE5F-1BB5E174DB51}"/>
               </a:ext>
             </a:extLst>
           </p:cNvPr>
@@ -2062,7 +2062,7 @@
           <a:bodyPr/>
           <a:lstStyle/>
           <a:p>
-            <a:fld id="{885FDFDB-2A7D-473C-864A-D34BB40B1487}" type="datetimeFigureOut">
+            <a:fld id="{7BF5A03C-2D81-42AB-AEE0-130E8D08C0F7}" type="datetimeFigureOut">
               <a:rPr lang="zh-CN" altLang="en-US" smtClean="0"/>
               <a:t>2024/3/10</a:t>
             </a:fld>
@@ -2075,7 +2075,7 @@
           <p:cNvPr id="3" name="页脚占位符 2">
             <a:extLst>
               <a:ext uri="{FF2B5EF4-FFF2-40B4-BE49-F238E27FC236}">
-                <a16:creationId xmlns:a16="http://schemas.microsoft.com/office/drawing/2014/main" id="{D4C9887C-C103-C623-A07A-DE7F1ABA70BC}"/>
+                <a16:creationId xmlns:a16="http://schemas.microsoft.com/office/drawing/2014/main" id="{CDA8E764-DF0E-18BE-2F7F-A1F8C2324E85}"/>
               </a:ext>
             </a:extLst>
           </p:cNvPr>
@@ -2100,7 +2100,7 @@
           <p:cNvPr id="4" name="灯片编号占位符 3">
             <a:extLst>
               <a:ext uri="{FF2B5EF4-FFF2-40B4-BE49-F238E27FC236}">
-                <a16:creationId xmlns:a16="http://schemas.microsoft.com/office/drawing/2014/main" id="{9D6CEC34-32A5-2DBD-013D-C35A03E7649A}"/>
+                <a16:creationId xmlns:a16="http://schemas.microsoft.com/office/drawing/2014/main" id="{1B9BF0B3-5BB6-372C-BB56-EF2A3BE64828}"/>
               </a:ext>
             </a:extLst>
           </p:cNvPr>
@@ -2116,7 +2116,7 @@
           <a:bodyPr/>
           <a:lstStyle/>
           <a:p>
-            <a:fld id="{0B2B35E1-A91A-4B76-8C78-BA0AD1C5876C}" type="slidenum">
+            <a:fld id="{8D5B0900-1459-41D8-8227-1E536BA7ED10}" type="slidenum">
               <a:rPr lang="zh-CN" altLang="en-US" smtClean="0"/>
               <a:t>‹#›</a:t>
             </a:fld>
@@ -2127,7 +2127,7 @@
     </p:spTree>
     <p:extLst>
       <p:ext uri="{BB962C8B-B14F-4D97-AF65-F5344CB8AC3E}">
-        <p14:creationId xmlns:p14="http://schemas.microsoft.com/office/powerpoint/2010/main" val="1735648161"/>
+        <p14:creationId xmlns:p14="http://schemas.microsoft.com/office/powerpoint/2010/main" val="1148572782"/>
       </p:ext>
     </p:extLst>
   </p:cSld>
@@ -2159,7 +2159,7 @@
           <p:cNvPr id="2" name="标题 1">
             <a:extLst>
               <a:ext uri="{FF2B5EF4-FFF2-40B4-BE49-F238E27FC236}">
-                <a16:creationId xmlns:a16="http://schemas.microsoft.com/office/drawing/2014/main" id="{6D15A43C-0FDF-9F50-BBD4-20859D3FBF84}"/>
+                <a16:creationId xmlns:a16="http://schemas.microsoft.com/office/drawing/2014/main" id="{1E5DDD6C-D089-4AFB-9260-D83E95855333}"/>
               </a:ext>
             </a:extLst>
           </p:cNvPr>
@@ -2196,7 +2196,7 @@
           <p:cNvPr id="3" name="内容占位符 2">
             <a:extLst>
               <a:ext uri="{FF2B5EF4-FFF2-40B4-BE49-F238E27FC236}">
-                <a16:creationId xmlns:a16="http://schemas.microsoft.com/office/drawing/2014/main" id="{2B5ACD56-572B-11C7-1240-92017B2B292C}"/>
+                <a16:creationId xmlns:a16="http://schemas.microsoft.com/office/drawing/2014/main" id="{96EFDDA3-E57D-A108-1506-BD31550A6B3B}"/>
               </a:ext>
             </a:extLst>
           </p:cNvPr>
@@ -2286,7 +2286,7 @@
           <p:cNvPr id="4" name="文本占位符 3">
             <a:extLst>
               <a:ext uri="{FF2B5EF4-FFF2-40B4-BE49-F238E27FC236}">
-                <a16:creationId xmlns:a16="http://schemas.microsoft.com/office/drawing/2014/main" id="{04AC8AB1-2F28-C1A0-BF15-ED576C5A4CD9}"/>
+                <a16:creationId xmlns:a16="http://schemas.microsoft.com/office/drawing/2014/main" id="{FF7613A6-BFE6-9BA7-9ABD-12E92769E530}"/>
               </a:ext>
             </a:extLst>
           </p:cNvPr>
@@ -2357,7 +2357,7 @@
           <p:cNvPr id="5" name="日期占位符 4">
             <a:extLst>
               <a:ext uri="{FF2B5EF4-FFF2-40B4-BE49-F238E27FC236}">
-                <a16:creationId xmlns:a16="http://schemas.microsoft.com/office/drawing/2014/main" id="{F09C39F9-9CFF-CC47-8320-6613306A1AFB}"/>
+                <a16:creationId xmlns:a16="http://schemas.microsoft.com/office/drawing/2014/main" id="{D5C0269B-5642-DD54-2EE8-A020DDE7ABD2}"/>
               </a:ext>
             </a:extLst>
           </p:cNvPr>
@@ -2373,7 +2373,7 @@
           <a:bodyPr/>
           <a:lstStyle/>
           <a:p>
-            <a:fld id="{885FDFDB-2A7D-473C-864A-D34BB40B1487}" type="datetimeFigureOut">
+            <a:fld id="{7BF5A03C-2D81-42AB-AEE0-130E8D08C0F7}" type="datetimeFigureOut">
               <a:rPr lang="zh-CN" altLang="en-US" smtClean="0"/>
               <a:t>2024/3/10</a:t>
             </a:fld>
@@ -2386,7 +2386,7 @@
           <p:cNvPr id="6" name="页脚占位符 5">
             <a:extLst>
               <a:ext uri="{FF2B5EF4-FFF2-40B4-BE49-F238E27FC236}">
-                <a16:creationId xmlns:a16="http://schemas.microsoft.com/office/drawing/2014/main" id="{6E444C65-5451-52FA-07F9-39270293FEB0}"/>
+                <a16:creationId xmlns:a16="http://schemas.microsoft.com/office/drawing/2014/main" id="{4B84C78B-6491-E2AC-31D2-C0C3526C297E}"/>
               </a:ext>
             </a:extLst>
           </p:cNvPr>
@@ -2411,7 +2411,7 @@
           <p:cNvPr id="7" name="灯片编号占位符 6">
             <a:extLst>
               <a:ext uri="{FF2B5EF4-FFF2-40B4-BE49-F238E27FC236}">
-                <a16:creationId xmlns:a16="http://schemas.microsoft.com/office/drawing/2014/main" id="{BF8AD6D5-8C64-6486-0131-279EE03E33FD}"/>
+                <a16:creationId xmlns:a16="http://schemas.microsoft.com/office/drawing/2014/main" id="{FCD45E95-4A5C-5169-10EE-8A6CC7A7224B}"/>
               </a:ext>
             </a:extLst>
           </p:cNvPr>
@@ -2427,7 +2427,7 @@
           <a:bodyPr/>
           <a:lstStyle/>
           <a:p>
-            <a:fld id="{0B2B35E1-A91A-4B76-8C78-BA0AD1C5876C}" type="slidenum">
+            <a:fld id="{8D5B0900-1459-41D8-8227-1E536BA7ED10}" type="slidenum">
               <a:rPr lang="zh-CN" altLang="en-US" smtClean="0"/>
               <a:t>‹#›</a:t>
             </a:fld>
@@ -2438,7 +2438,7 @@
     </p:spTree>
     <p:extLst>
       <p:ext uri="{BB962C8B-B14F-4D97-AF65-F5344CB8AC3E}">
-        <p14:creationId xmlns:p14="http://schemas.microsoft.com/office/powerpoint/2010/main" val="3149974953"/>
+        <p14:creationId xmlns:p14="http://schemas.microsoft.com/office/powerpoint/2010/main" val="877683195"/>
       </p:ext>
     </p:extLst>
   </p:cSld>
@@ -2470,7 +2470,7 @@
           <p:cNvPr id="2" name="标题 1">
             <a:extLst>
               <a:ext uri="{FF2B5EF4-FFF2-40B4-BE49-F238E27FC236}">
-                <a16:creationId xmlns:a16="http://schemas.microsoft.com/office/drawing/2014/main" id="{87D070E1-43B5-8430-11FE-46261877D42F}"/>
+                <a16:creationId xmlns:a16="http://schemas.microsoft.com/office/drawing/2014/main" id="{F246464B-FF3C-1499-2B3B-73751CB0D1F8}"/>
               </a:ext>
             </a:extLst>
           </p:cNvPr>
@@ -2507,7 +2507,7 @@
           <p:cNvPr id="3" name="图片占位符 2">
             <a:extLst>
               <a:ext uri="{FF2B5EF4-FFF2-40B4-BE49-F238E27FC236}">
-                <a16:creationId xmlns:a16="http://schemas.microsoft.com/office/drawing/2014/main" id="{E9600F57-D17B-F4AC-60FA-063F2E57FE37}"/>
+                <a16:creationId xmlns:a16="http://schemas.microsoft.com/office/drawing/2014/main" id="{67AC2BCC-DD44-B0ED-A1E0-9316835DFAEB}"/>
               </a:ext>
             </a:extLst>
           </p:cNvPr>
@@ -2574,7 +2574,7 @@
           <p:cNvPr id="4" name="文本占位符 3">
             <a:extLst>
               <a:ext uri="{FF2B5EF4-FFF2-40B4-BE49-F238E27FC236}">
-                <a16:creationId xmlns:a16="http://schemas.microsoft.com/office/drawing/2014/main" id="{42432E8D-0782-586C-1B00-1821CCE6794D}"/>
+                <a16:creationId xmlns:a16="http://schemas.microsoft.com/office/drawing/2014/main" id="{6A9BE233-BABC-8BFE-93E5-3AF938D4E6CB}"/>
               </a:ext>
             </a:extLst>
           </p:cNvPr>
@@ -2645,7 +2645,7 @@
           <p:cNvPr id="5" name="日期占位符 4">
             <a:extLst>
               <a:ext uri="{FF2B5EF4-FFF2-40B4-BE49-F238E27FC236}">
-                <a16:creationId xmlns:a16="http://schemas.microsoft.com/office/drawing/2014/main" id="{32BE5006-F13D-5BA2-1407-CA097FC669EB}"/>
+                <a16:creationId xmlns:a16="http://schemas.microsoft.com/office/drawing/2014/main" id="{7E655F8B-AD0C-43DF-0B1D-877922674FB0}"/>
               </a:ext>
             </a:extLst>
           </p:cNvPr>
@@ -2661,7 +2661,7 @@
           <a:bodyPr/>
           <a:lstStyle/>
           <a:p>
-            <a:fld id="{885FDFDB-2A7D-473C-864A-D34BB40B1487}" type="datetimeFigureOut">
+            <a:fld id="{7BF5A03C-2D81-42AB-AEE0-130E8D08C0F7}" type="datetimeFigureOut">
               <a:rPr lang="zh-CN" altLang="en-US" smtClean="0"/>
               <a:t>2024/3/10</a:t>
             </a:fld>
@@ -2674,7 +2674,7 @@
           <p:cNvPr id="6" name="页脚占位符 5">
             <a:extLst>
               <a:ext uri="{FF2B5EF4-FFF2-40B4-BE49-F238E27FC236}">
-                <a16:creationId xmlns:a16="http://schemas.microsoft.com/office/drawing/2014/main" id="{9419800A-BBD4-C46D-1AAD-7E0FA85A5A96}"/>
+                <a16:creationId xmlns:a16="http://schemas.microsoft.com/office/drawing/2014/main" id="{B9B9AD41-F324-74C8-7DBE-03A019DEFC3E}"/>
               </a:ext>
             </a:extLst>
           </p:cNvPr>
@@ -2699,7 +2699,7 @@
           <p:cNvPr id="7" name="灯片编号占位符 6">
             <a:extLst>
               <a:ext uri="{FF2B5EF4-FFF2-40B4-BE49-F238E27FC236}">
-                <a16:creationId xmlns:a16="http://schemas.microsoft.com/office/drawing/2014/main" id="{7FCC9264-8E50-DD72-1C12-121FAAC81451}"/>
+                <a16:creationId xmlns:a16="http://schemas.microsoft.com/office/drawing/2014/main" id="{E3830773-AADB-53EC-E63B-50C294767011}"/>
               </a:ext>
             </a:extLst>
           </p:cNvPr>
@@ -2715,7 +2715,7 @@
           <a:bodyPr/>
           <a:lstStyle/>
           <a:p>
-            <a:fld id="{0B2B35E1-A91A-4B76-8C78-BA0AD1C5876C}" type="slidenum">
+            <a:fld id="{8D5B0900-1459-41D8-8227-1E536BA7ED10}" type="slidenum">
               <a:rPr lang="zh-CN" altLang="en-US" smtClean="0"/>
               <a:t>‹#›</a:t>
             </a:fld>
@@ -2726,7 +2726,7 @@
     </p:spTree>
     <p:extLst>
       <p:ext uri="{BB962C8B-B14F-4D97-AF65-F5344CB8AC3E}">
-        <p14:creationId xmlns:p14="http://schemas.microsoft.com/office/powerpoint/2010/main" val="1473809448"/>
+        <p14:creationId xmlns:p14="http://schemas.microsoft.com/office/powerpoint/2010/main" val="3234341331"/>
       </p:ext>
     </p:extLst>
   </p:cSld>
@@ -2763,7 +2763,7 @@
           <p:cNvPr id="2" name="标题占位符 1">
             <a:extLst>
               <a:ext uri="{FF2B5EF4-FFF2-40B4-BE49-F238E27FC236}">
-                <a16:creationId xmlns:a16="http://schemas.microsoft.com/office/drawing/2014/main" id="{BA61F1C2-BFA8-C9AE-E89D-636B0F4E44C2}"/>
+                <a16:creationId xmlns:a16="http://schemas.microsoft.com/office/drawing/2014/main" id="{115CA190-5DED-CFBE-F5CA-1DBE52ED4EC3}"/>
               </a:ext>
             </a:extLst>
           </p:cNvPr>
@@ -2801,7 +2801,7 @@
           <p:cNvPr id="3" name="文本占位符 2">
             <a:extLst>
               <a:ext uri="{FF2B5EF4-FFF2-40B4-BE49-F238E27FC236}">
-                <a16:creationId xmlns:a16="http://schemas.microsoft.com/office/drawing/2014/main" id="{B65B990E-6E96-12F1-FE6C-A66AE2F1CA2C}"/>
+                <a16:creationId xmlns:a16="http://schemas.microsoft.com/office/drawing/2014/main" id="{F4E68F8B-4ABB-C771-411A-6057F17C41CA}"/>
               </a:ext>
             </a:extLst>
           </p:cNvPr>
@@ -2868,7 +2868,7 @@
           <p:cNvPr id="4" name="日期占位符 3">
             <a:extLst>
               <a:ext uri="{FF2B5EF4-FFF2-40B4-BE49-F238E27FC236}">
-                <a16:creationId xmlns:a16="http://schemas.microsoft.com/office/drawing/2014/main" id="{4AB475D1-6AC1-E145-B301-9E04A9613D18}"/>
+                <a16:creationId xmlns:a16="http://schemas.microsoft.com/office/drawing/2014/main" id="{229EA794-2C26-ACED-F831-92FB76936E19}"/>
               </a:ext>
             </a:extLst>
           </p:cNvPr>
@@ -2902,7 +2902,7 @@
             </a:lvl1pPr>
           </a:lstStyle>
           <a:p>
-            <a:fld id="{885FDFDB-2A7D-473C-864A-D34BB40B1487}" type="datetimeFigureOut">
+            <a:fld id="{7BF5A03C-2D81-42AB-AEE0-130E8D08C0F7}" type="datetimeFigureOut">
               <a:rPr lang="zh-CN" altLang="en-US" smtClean="0"/>
               <a:t>2024/3/10</a:t>
             </a:fld>
@@ -2915,7 +2915,7 @@
           <p:cNvPr id="5" name="页脚占位符 4">
             <a:extLst>
               <a:ext uri="{FF2B5EF4-FFF2-40B4-BE49-F238E27FC236}">
-                <a16:creationId xmlns:a16="http://schemas.microsoft.com/office/drawing/2014/main" id="{9DA8C5A6-940F-A75F-608D-19101806B88D}"/>
+                <a16:creationId xmlns:a16="http://schemas.microsoft.com/office/drawing/2014/main" id="{19476E63-3E32-3DD2-7993-B729A8F50AFE}"/>
               </a:ext>
             </a:extLst>
           </p:cNvPr>
@@ -2958,7 +2958,7 @@
           <p:cNvPr id="6" name="灯片编号占位符 5">
             <a:extLst>
               <a:ext uri="{FF2B5EF4-FFF2-40B4-BE49-F238E27FC236}">
-                <a16:creationId xmlns:a16="http://schemas.microsoft.com/office/drawing/2014/main" id="{FF50DF76-957D-9140-E2D2-38D204B1A121}"/>
+                <a16:creationId xmlns:a16="http://schemas.microsoft.com/office/drawing/2014/main" id="{B7594921-F42C-B7A6-5C49-F53606C14605}"/>
               </a:ext>
             </a:extLst>
           </p:cNvPr>
@@ -2992,7 +2992,7 @@
             </a:lvl1pPr>
           </a:lstStyle>
           <a:p>
-            <a:fld id="{0B2B35E1-A91A-4B76-8C78-BA0AD1C5876C}" type="slidenum">
+            <a:fld id="{8D5B0900-1459-41D8-8227-1E536BA7ED10}" type="slidenum">
               <a:rPr lang="zh-CN" altLang="en-US" smtClean="0"/>
               <a:t>‹#›</a:t>
             </a:fld>
@@ -3003,7 +3003,7 @@
     </p:spTree>
     <p:extLst>
       <p:ext uri="{BB962C8B-B14F-4D97-AF65-F5344CB8AC3E}">
-        <p14:creationId xmlns:p14="http://schemas.microsoft.com/office/powerpoint/2010/main" val="2464851051"/>
+        <p14:creationId xmlns:p14="http://schemas.microsoft.com/office/powerpoint/2010/main" val="355429894"/>
       </p:ext>
     </p:extLst>
   </p:cSld>
